--- a/Презентация .pptx
+++ b/Презентация .pptx
@@ -4489,8 +4489,8 @@
         </p:blipFill>
         <p:spPr>
           <a:xfrm>
-            <a:off x="395726" y="2049179"/>
-            <a:ext cx="5459641" cy="3340968"/>
+            <a:off x="395726" y="1716505"/>
+            <a:ext cx="5662861" cy="3673642"/>
           </a:xfrm>
           <a:prstGeom prst="rect">
             <a:avLst/>
@@ -4517,8 +4517,8 @@
         </p:blipFill>
         <p:spPr>
           <a:xfrm>
-            <a:off x="6096000" y="2229470"/>
-            <a:ext cx="5662861" cy="2980385"/>
+            <a:off x="6096000" y="2066545"/>
+            <a:ext cx="5946648" cy="3072384"/>
           </a:xfrm>
           <a:prstGeom prst="rect">
             <a:avLst/>
@@ -4867,19 +4867,7 @@
                 <a:latin typeface="Times New Roman" panose="02020603050405020304" pitchFamily="18" charset="0"/>
                 <a:cs typeface="Times New Roman" panose="02020603050405020304" pitchFamily="18" charset="0"/>
               </a:rPr>
-              <a:t>Реализация генетического алгоритма для автоматической генерации и оптимизации CSS-стилей</a:t>
-            </a:r>
-          </a:p>
-          <a:p>
-            <a:pPr marL="457200" indent="-457200">
-              <a:buAutoNum type="arabicParenR"/>
-            </a:pPr>
-            <a:r>
-              <a:rPr lang="ru-RU" sz="2400" dirty="0">
-                <a:latin typeface="Times New Roman" panose="02020603050405020304" pitchFamily="18" charset="0"/>
-                <a:cs typeface="Times New Roman" panose="02020603050405020304" pitchFamily="18" charset="0"/>
-              </a:rPr>
-              <a:t>Реализация алгоритма на языке программирования </a:t>
+              <a:t>Реализация генетического алгоритма для автоматической генерации и оптимизации CSS-стилей на языке программирования </a:t>
             </a:r>
             <a:r>
               <a:rPr lang="en-US" sz="2400" dirty="0">
@@ -5031,8 +5019,8 @@
           </a:p>
         </p:txBody>
       </p:sp>
-      <mc:AlternateContent xmlns:mc="http://schemas.openxmlformats.org/markup-compatibility/2006">
-        <mc:Choice xmlns:a14="http://schemas.microsoft.com/office/drawing/2010/main" Requires="a14">
+      <mc:AlternateContent xmlns:mc="http://schemas.openxmlformats.org/markup-compatibility/2006" xmlns:a14="http://schemas.microsoft.com/office/drawing/2010/main">
+        <mc:Choice Requires="a14">
           <p:sp>
             <p:nvSpPr>
               <p:cNvPr id="3" name="Объект 2">
@@ -5717,7 +5705,7 @@
             </p:txBody>
           </p:sp>
         </mc:Choice>
-        <mc:Fallback>
+        <mc:Fallback xmlns="">
           <p:sp>
             <p:nvSpPr>
               <p:cNvPr id="3" name="Объект 2">
@@ -6590,7 +6578,7 @@
         <p:spPr>
           <a:xfrm>
             <a:off x="2989632" y="1373220"/>
-            <a:ext cx="6212735" cy="4983130"/>
+            <a:ext cx="6539379" cy="5245126"/>
           </a:xfrm>
           <a:prstGeom prst="rect">
             <a:avLst/>
